--- a/01 Classes/Aula 05 RAD Python - Estrutura de Repetição For.pptx
+++ b/01 Classes/Aula 05 RAD Python - Estrutura de Repetição For.pptx
@@ -4350,12 +4350,15 @@
                 <a:cs typeface="Times New Roman" panose="02020603050405020304" pitchFamily="18" charset="0"/>
                 <a:hlinkClick r:id="rId3"/>
               </a:rPr>
-              <a:t>https://www.w3schools.com/python/python_variables.asp</a:t>
-            </a:r>
-            <a:endParaRPr lang="pt-BR" dirty="0">
-              <a:latin typeface="Times New Roman" panose="02020603050405020304" pitchFamily="18" charset="0"/>
-              <a:cs typeface="Times New Roman" panose="02020603050405020304" pitchFamily="18" charset="0"/>
-            </a:endParaRPr>
+              <a:t>https://www.w3schools.com/python/python_for_loops.asp</a:t>
+            </a:r>
+            <a:r>
+              <a:rPr lang="pt-BR" dirty="0">
+                <a:latin typeface="Times New Roman" panose="02020603050405020304" pitchFamily="18" charset="0"/>
+                <a:cs typeface="Times New Roman" panose="02020603050405020304" pitchFamily="18" charset="0"/>
+              </a:rPr>
+              <a:t> </a:t>
+            </a:r>
           </a:p>
           <a:p>
             <a:pPr marL="0" indent="0" algn="just">
@@ -4556,7 +4559,7 @@
                 <a:latin typeface="Times New Roman" panose="02020603050405020304" pitchFamily="18" charset="0"/>
                 <a:cs typeface="Times New Roman" panose="02020603050405020304" pitchFamily="18" charset="0"/>
               </a:rPr>
-              <a:t>[1] </a:t>
+              <a:t>[1] For Curso em Vídeo: </a:t>
             </a:r>
             <a:r>
               <a:rPr lang="pt-BR" sz="2000" dirty="0">
@@ -4564,12 +4567,15 @@
                 <a:cs typeface="Times New Roman" panose="02020603050405020304" pitchFamily="18" charset="0"/>
                 <a:hlinkClick r:id="rId3"/>
               </a:rPr>
-              <a:t>https://www.programiz.com/python-programming/variables-constants-literals</a:t>
-            </a:r>
-            <a:endParaRPr lang="pt-BR" sz="2000" dirty="0">
-              <a:latin typeface="Times New Roman" panose="02020603050405020304" pitchFamily="18" charset="0"/>
-              <a:cs typeface="Times New Roman" panose="02020603050405020304" pitchFamily="18" charset="0"/>
-            </a:endParaRPr>
+              <a:t>https://youtu.be/cL4YDtFnCt4</a:t>
+            </a:r>
+            <a:r>
+              <a:rPr lang="pt-BR" sz="2000" dirty="0">
+                <a:latin typeface="Times New Roman" panose="02020603050405020304" pitchFamily="18" charset="0"/>
+                <a:cs typeface="Times New Roman" panose="02020603050405020304" pitchFamily="18" charset="0"/>
+              </a:rPr>
+              <a:t> </a:t>
+            </a:r>
           </a:p>
           <a:p>
             <a:pPr marL="0" indent="0" algn="just">
@@ -4598,7 +4604,7 @@
                 <a:latin typeface="Times New Roman" panose="02020603050405020304" pitchFamily="18" charset="0"/>
                 <a:cs typeface="Times New Roman" panose="02020603050405020304" pitchFamily="18" charset="0"/>
               </a:rPr>
-              <a:t>[2] </a:t>
+              <a:t>[2] For: </a:t>
             </a:r>
             <a:r>
               <a:rPr lang="pt-BR" sz="2000" dirty="0">
@@ -4606,12 +4612,15 @@
                 <a:cs typeface="Times New Roman" panose="02020603050405020304" pitchFamily="18" charset="0"/>
                 <a:hlinkClick r:id="rId4"/>
               </a:rPr>
-              <a:t>https://www.programiz.com/python-programming/examples/swap-variables</a:t>
-            </a:r>
-            <a:endParaRPr lang="pt-BR" sz="2000" dirty="0">
-              <a:latin typeface="Times New Roman" panose="02020603050405020304" pitchFamily="18" charset="0"/>
-              <a:cs typeface="Times New Roman" panose="02020603050405020304" pitchFamily="18" charset="0"/>
-            </a:endParaRPr>
+              <a:t>https://youtu.be/2WpNEzf_gW8</a:t>
+            </a:r>
+            <a:r>
+              <a:rPr lang="pt-BR" sz="2000" dirty="0">
+                <a:latin typeface="Times New Roman" panose="02020603050405020304" pitchFamily="18" charset="0"/>
+                <a:cs typeface="Times New Roman" panose="02020603050405020304" pitchFamily="18" charset="0"/>
+              </a:rPr>
+              <a:t> </a:t>
+            </a:r>
           </a:p>
           <a:p>
             <a:pPr marL="0" indent="0" algn="just">
@@ -6717,7 +6726,7 @@
                 <a:latin typeface="Times New Roman" panose="02020603050405020304" pitchFamily="18" charset="0"/>
                 <a:cs typeface="Times New Roman" panose="02020603050405020304" pitchFamily="18" charset="0"/>
               </a:rPr>
-              <a:t> = [‘26976’, ‘38787’, ‘49070’, ‘20809’, ‘3097’, ‘498798’, ‘3987’, ‘28768’];</a:t>
+              <a:t> = [‘26976’, ‘38787’, ‘49070’, ‘20809’, ‘3097’, ‘498798’, ‘3987’, ‘28768’]</a:t>
             </a:r>
           </a:p>
           <a:p>
@@ -6832,7 +6841,7 @@
                 <a:latin typeface="Times New Roman" panose="02020603050405020304" pitchFamily="18" charset="0"/>
                 <a:cs typeface="Times New Roman" panose="02020603050405020304" pitchFamily="18" charset="0"/>
               </a:rPr>
-              <a:t> {ordem} – Manutenção preventiva’);</a:t>
+              <a:t> {ordem} – Manutenção preventiva’)</a:t>
             </a:r>
           </a:p>
           <a:p>
@@ -6922,7 +6931,7 @@
                 <a:latin typeface="Times New Roman" panose="02020603050405020304" pitchFamily="18" charset="0"/>
                 <a:cs typeface="Times New Roman" panose="02020603050405020304" pitchFamily="18" charset="0"/>
               </a:rPr>
-              <a:t> {ordem} – Manutenção corretiva’);</a:t>
+              <a:t> {ordem} – Manutenção corretiva’)</a:t>
             </a:r>
           </a:p>
           <a:p>
@@ -7002,7 +7011,7 @@
                 <a:latin typeface="Times New Roman" panose="02020603050405020304" pitchFamily="18" charset="0"/>
                 <a:cs typeface="Times New Roman" panose="02020603050405020304" pitchFamily="18" charset="0"/>
               </a:rPr>
-              <a:t>{ordem} – Manutenção preditiva’);</a:t>
+              <a:t>{ordem} – Manutenção preditiva’)</a:t>
             </a:r>
           </a:p>
         </p:txBody>
@@ -7861,7 +7870,7 @@
                 <a:latin typeface="Times New Roman" panose="02020603050405020304" pitchFamily="18" charset="0"/>
                 <a:cs typeface="Times New Roman" panose="02020603050405020304" pitchFamily="18" charset="0"/>
               </a:rPr>
-              <a:t>(“Número”, numero, “é par”);</a:t>
+              <a:t>(“Número”, numero, “é par”)</a:t>
             </a:r>
           </a:p>
           <a:p>
@@ -8115,7 +8124,7 @@
                 <a:latin typeface="Times New Roman" panose="02020603050405020304" pitchFamily="18" charset="0"/>
                 <a:cs typeface="Times New Roman" panose="02020603050405020304" pitchFamily="18" charset="0"/>
               </a:rPr>
-              <a:t>(numero);</a:t>
+              <a:t>(numero)</a:t>
             </a:r>
           </a:p>
           <a:p>
@@ -8242,7 +8251,7 @@
                 <a:latin typeface="Times New Roman" panose="02020603050405020304" pitchFamily="18" charset="0"/>
                 <a:cs typeface="Times New Roman" panose="02020603050405020304" pitchFamily="18" charset="0"/>
               </a:rPr>
-              <a:t>(numero);</a:t>
+              <a:t>(numero)</a:t>
             </a:r>
           </a:p>
           <a:p>
